--- a/Lectures/Project 1.pptx
+++ b/Lectures/Project 1.pptx
@@ -119,6 +119,22 @@
       </a:defRPr>
     </a:lvl9pPr>
   </p:defaultTextStyle>
+  <p:extLst>
+    <p:ext uri="{EFAFB233-063F-42B5-8137-9DF3F51BA10A}">
+      <p15:sldGuideLst xmlns:p15="http://schemas.microsoft.com/office/powerpoint/2012/main">
+        <p15:guide id="1" orient="horz" pos="2160">
+          <p15:clr>
+            <a:srgbClr val="A4A3A4"/>
+          </p15:clr>
+        </p15:guide>
+        <p15:guide id="2" pos="583">
+          <p15:clr>
+            <a:srgbClr val="A4A3A4"/>
+          </p15:clr>
+        </p15:guide>
+      </p15:sldGuideLst>
+    </p:ext>
+  </p:extLst>
 </p:presentation>
 </file>
 
@@ -204,7 +220,7 @@
           <a:p>
             <a:fld id="{D3AAB66F-B1B7-D045-B4E8-4F60236F228D}" type="datetimeFigureOut">
               <a:rPr lang="en-US" smtClean="0"/>
-              <a:t>2/18/15</a:t>
+              <a:t>3/1/17</a:t>
             </a:fld>
             <a:endParaRPr lang="en-US"/>
           </a:p>
@@ -370,7 +386,7 @@
           <a:p>
             <a:fld id="{BCCF8E76-06A6-164E-A6FA-EC32C13EB232}" type="datetimeFigureOut">
               <a:rPr lang="en-US" smtClean="0"/>
-              <a:t>2/18/15</a:t>
+              <a:t>3/1/17</a:t>
             </a:fld>
             <a:endParaRPr lang="en-US"/>
           </a:p>
@@ -1156,7 +1172,7 @@
             <a:fld id="{FA3C144B-2939-9A49-B014-915EC3E81866}" type="datetime1">
               <a:rPr lang="en-US" smtClean="0"/>
               <a:pPr/>
-              <a:t>2/18/15</a:t>
+              <a:t>3/1/17</a:t>
             </a:fld>
             <a:endParaRPr lang="en-US" dirty="0"/>
           </a:p>
@@ -1585,7 +1601,7 @@
           <a:p>
             <a:fld id="{76838339-A875-5E45-AB3F-AAABD270346A}" type="datetime1">
               <a:rPr lang="en-US" smtClean="0"/>
-              <a:t>2/18/15</a:t>
+              <a:t>3/1/17</a:t>
             </a:fld>
             <a:endParaRPr lang="en-US"/>
           </a:p>
@@ -1871,7 +1887,7 @@
             <a:fld id="{FA3C144B-2939-9A49-B014-915EC3E81866}" type="datetime1">
               <a:rPr lang="en-US" smtClean="0"/>
               <a:pPr/>
-              <a:t>2/18/15</a:t>
+              <a:t>3/1/17</a:t>
             </a:fld>
             <a:endParaRPr lang="en-US" dirty="0"/>
           </a:p>
@@ -2353,7 +2369,7 @@
           <a:p>
             <a:fld id="{A73F672F-A5FB-5745-934A-1BF51CA5539C}" type="datetime1">
               <a:rPr lang="en-US" smtClean="0"/>
-              <a:t>2/18/15</a:t>
+              <a:t>3/1/17</a:t>
             </a:fld>
             <a:endParaRPr lang="en-US"/>
           </a:p>
@@ -2695,7 +2711,7 @@
             <a:fld id="{FA3C144B-2939-9A49-B014-915EC3E81866}" type="datetime1">
               <a:rPr lang="en-US" smtClean="0"/>
               <a:pPr/>
-              <a:t>2/18/15</a:t>
+              <a:t>3/1/17</a:t>
             </a:fld>
             <a:endParaRPr lang="en-US" dirty="0"/>
           </a:p>
@@ -3159,7 +3175,7 @@
           <a:p>
             <a:fld id="{6AFE6A63-5EBE-3E48-B0AE-DF655A1ECE76}" type="datetime1">
               <a:rPr lang="en-US" smtClean="0"/>
-              <a:t>2/18/15</a:t>
+              <a:t>3/1/17</a:t>
             </a:fld>
             <a:endParaRPr lang="en-US"/>
           </a:p>
@@ -3478,7 +3494,7 @@
           <a:p>
             <a:fld id="{4A019F0C-9D18-B54A-9AC9-18AA74EDB034}" type="datetime1">
               <a:rPr lang="en-US" smtClean="0"/>
-              <a:t>2/18/15</a:t>
+              <a:t>3/1/17</a:t>
             </a:fld>
             <a:endParaRPr lang="en-US"/>
           </a:p>
@@ -3788,7 +3804,7 @@
             <a:fld id="{FA3C144B-2939-9A49-B014-915EC3E81866}" type="datetime1">
               <a:rPr lang="en-US" smtClean="0"/>
               <a:pPr/>
-              <a:t>2/18/15</a:t>
+              <a:t>3/1/17</a:t>
             </a:fld>
             <a:endParaRPr lang="en-US" dirty="0"/>
           </a:p>
@@ -4051,7 +4067,7 @@
           <a:p>
             <a:fld id="{FA3C144B-2939-9A49-B014-915EC3E81866}" type="datetime1">
               <a:rPr lang="en-US" smtClean="0"/>
-              <a:t>2/18/15</a:t>
+              <a:t>3/1/17</a:t>
             </a:fld>
             <a:endParaRPr lang="en-US" dirty="0"/>
           </a:p>
@@ -4419,7 +4435,7 @@
           <a:p>
             <a:fld id="{7053BEFA-1175-F644-B249-7D41D72BD3FF}" type="datetime1">
               <a:rPr lang="en-US" smtClean="0"/>
-              <a:t>2/18/15</a:t>
+              <a:t>3/1/17</a:t>
             </a:fld>
             <a:endParaRPr lang="en-US"/>
           </a:p>
@@ -4538,7 +4554,7 @@
             <a:fld id="{FA3C144B-2939-9A49-B014-915EC3E81866}" type="datetime1">
               <a:rPr lang="en-US" smtClean="0"/>
               <a:pPr/>
-              <a:t>2/18/15</a:t>
+              <a:t>3/1/17</a:t>
             </a:fld>
             <a:endParaRPr lang="en-US" dirty="0"/>
           </a:p>
@@ -4755,7 +4771,7 @@
             <a:fld id="{FA3C144B-2939-9A49-B014-915EC3E81866}" type="datetime1">
               <a:rPr lang="en-US" smtClean="0"/>
               <a:pPr/>
-              <a:t>2/18/15</a:t>
+              <a:t>3/1/17</a:t>
             </a:fld>
             <a:endParaRPr lang="en-US" dirty="0"/>
           </a:p>
@@ -5000,7 +5016,7 @@
             <a:fld id="{FA3C144B-2939-9A49-B014-915EC3E81866}" type="datetime1">
               <a:rPr lang="en-US" smtClean="0"/>
               <a:pPr/>
-              <a:t>2/18/15</a:t>
+              <a:t>3/1/17</a:t>
             </a:fld>
             <a:endParaRPr lang="en-US" dirty="0"/>
           </a:p>
@@ -5378,7 +5394,7 @@
           <a:p>
             <a:fld id="{111EEF3B-ABF2-AA4E-9E24-0C6256942674}" type="datetime1">
               <a:rPr lang="en-US" smtClean="0"/>
-              <a:t>2/18/15</a:t>
+              <a:t>3/1/17</a:t>
             </a:fld>
             <a:endParaRPr lang="en-US"/>
           </a:p>
@@ -5542,7 +5558,7 @@
             <a:fld id="{FA3C144B-2939-9A49-B014-915EC3E81866}" type="datetime1">
               <a:rPr lang="en-US" smtClean="0"/>
               <a:pPr/>
-              <a:t>2/18/15</a:t>
+              <a:t>3/1/17</a:t>
             </a:fld>
             <a:endParaRPr lang="en-US" dirty="0"/>
           </a:p>
@@ -5959,7 +5975,7 @@
             <a:fld id="{FA3C144B-2939-9A49-B014-915EC3E81866}" type="datetime1">
               <a:rPr lang="en-US" smtClean="0"/>
               <a:pPr/>
-              <a:t>2/18/15</a:t>
+              <a:t>3/1/17</a:t>
             </a:fld>
             <a:endParaRPr lang="en-US" dirty="0"/>
           </a:p>
@@ -6275,7 +6291,7 @@
             <a:fld id="{FA3C144B-2939-9A49-B014-915EC3E81866}" type="datetime1">
               <a:rPr lang="en-US" smtClean="0"/>
               <a:pPr/>
-              <a:t>2/18/15</a:t>
+              <a:t>3/1/17</a:t>
             </a:fld>
             <a:endParaRPr lang="en-US" dirty="0"/>
           </a:p>
@@ -6941,7 +6957,7 @@
             <a:fld id="{FA3C144B-2939-9A49-B014-915EC3E81866}" type="datetime1">
               <a:rPr lang="en-US" smtClean="0"/>
               <a:pPr/>
-              <a:t>2/18/15</a:t>
+              <a:t>3/1/17</a:t>
             </a:fld>
             <a:endParaRPr lang="en-US" dirty="0"/>
           </a:p>
@@ -7226,7 +7242,7 @@
           <a:effectLst/>
           <a:extLst>
             <a:ext uri="{91240B29-F687-4f45-9708-019B960494DF}">
-              <a14:hiddenLine xmlns:a14="http://schemas.microsoft.com/office/drawing/2010/main" w="9525">
+              <a14:hiddenLine xmlns:a14="http://schemas.microsoft.com/office/drawing/2010/main" xmlns="" w="9525">
                 <a:solidFill>
                   <a:srgbClr val="000000"/>
                 </a:solidFill>
@@ -7236,7 +7252,7 @@
               </a14:hiddenLine>
             </a:ext>
             <a:ext uri="{AF507438-7753-43e0-B8FC-AC1667EBCBE1}">
-              <a14:hiddenEffects xmlns:a14="http://schemas.microsoft.com/office/drawing/2010/main">
+              <a14:hiddenEffects xmlns:a14="http://schemas.microsoft.com/office/drawing/2010/main" xmlns="">
                 <a:effectLst>
                   <a:outerShdw blurRad="40000" dist="23000" dir="5400000" rotWithShape="0">
                     <a:srgbClr val="000000">
@@ -7336,7 +7352,7 @@
   <p:timing>
     <p:tnLst>
       <p:par>
-        <p:cTn xmlns:p14="http://schemas.microsoft.com/office/powerpoint/2010/main" id="1" dur="indefinite" restart="never" nodeType="tmRoot"/>
+        <p:cTn id="1" dur="indefinite" restart="never" nodeType="tmRoot"/>
       </p:par>
     </p:tnLst>
   </p:timing>
@@ -7701,12 +7717,12 @@
               <a:t>Jennifer </a:t>
             </a:r>
             <a:r>
-              <a:rPr lang="en-US" dirty="0"/>
-              <a:t>M</a:t>
-            </a:r>
-            <a:r>
-              <a:rPr lang="en-US" dirty="0" smtClean="0"/>
-              <a:t>ankoff</a:t>
+              <a:rPr lang="en-US" dirty="0" err="1" smtClean="0"/>
+              <a:t>Mankoff</a:t>
+            </a:r>
+            <a:r>
+              <a:rPr lang="en-US" dirty="0" smtClean="0"/>
+              <a:t> &amp; Nikola Banovic</a:t>
             </a:r>
             <a:endParaRPr lang="en-US" dirty="0"/>
           </a:p>
@@ -7734,8 +7750,13 @@
           <a:p>
             <a:r>
               <a:rPr lang="en-US" dirty="0" smtClean="0"/>
-              <a:t>The Data Pipeline; HCII; Spring 2014</a:t>
-            </a:r>
+              <a:t>The Data Pipeline; HCII; Spring </a:t>
+            </a:r>
+            <a:r>
+              <a:rPr lang="en-US" dirty="0" smtClean="0"/>
+              <a:t>2017</a:t>
+            </a:r>
+            <a:endParaRPr lang="en-US" dirty="0" smtClean="0"/>
           </a:p>
         </p:txBody>
       </p:sp>
@@ -7945,7 +7966,7 @@
           <a:effectLst/>
           <a:extLst>
             <a:ext uri="{91240B29-F687-4f45-9708-019B960494DF}">
-              <a14:hiddenLine xmlns:a14="http://schemas.microsoft.com/office/drawing/2010/main" w="9525">
+              <a14:hiddenLine xmlns:a14="http://schemas.microsoft.com/office/drawing/2010/main" xmlns="" w="9525">
                 <a:solidFill>
                   <a:srgbClr val="000000"/>
                 </a:solidFill>
@@ -7955,7 +7976,7 @@
               </a14:hiddenLine>
             </a:ext>
             <a:ext uri="{AF507438-7753-43e0-B8FC-AC1667EBCBE1}">
-              <a14:hiddenEffects xmlns:a14="http://schemas.microsoft.com/office/drawing/2010/main">
+              <a14:hiddenEffects xmlns:a14="http://schemas.microsoft.com/office/drawing/2010/main" xmlns="">
                 <a:effectLst>
                   <a:outerShdw blurRad="40000" dist="23000" dir="5400000" rotWithShape="0">
                     <a:srgbClr val="000000">
@@ -7992,7 +8013,7 @@
   <p:timing>
     <p:tnLst>
       <p:par>
-        <p:cTn xmlns:p14="http://schemas.microsoft.com/office/powerpoint/2010/main" id="1" dur="indefinite" restart="never" nodeType="tmRoot"/>
+        <p:cTn id="1" dur="indefinite" restart="never" nodeType="tmRoot"/>
       </p:par>
     </p:tnLst>
   </p:timing>
@@ -8032,12 +8053,12 @@
           <a:lstStyle/>
           <a:p>
             <a:r>
-              <a:rPr lang="en-US" dirty="0" err="1" smtClean="0"/>
-              <a:t>Handin</a:t>
-            </a:r>
-            <a:r>
-              <a:rPr lang="en-US" dirty="0" smtClean="0"/>
-              <a:t> Requirements</a:t>
+              <a:rPr lang="en-US" smtClean="0"/>
+              <a:t>Hand-in </a:t>
+            </a:r>
+            <a:r>
+              <a:rPr lang="en-US" dirty="0" smtClean="0"/>
+              <a:t>Requirements</a:t>
             </a:r>
             <a:endParaRPr lang="en-US" dirty="0"/>
           </a:p>
@@ -8078,7 +8099,6 @@
               <a:rPr lang="en-US" dirty="0" smtClean="0"/>
               <a:t>)</a:t>
             </a:r>
-            <a:endParaRPr lang="en-US" dirty="0" smtClean="0"/>
           </a:p>
           <a:p>
             <a:pPr marL="0" indent="0">
@@ -8119,7 +8139,15 @@
             </a:r>
             <a:r>
               <a:rPr lang="en-US" dirty="0" smtClean="0"/>
-              <a:t>to set up. Depending on the number of groups, we all may be rushed seeing everything </a:t>
+              <a:t>to set up. </a:t>
+            </a:r>
+            <a:r>
+              <a:rPr lang="en-US" dirty="0" smtClean="0"/>
+              <a:t>We </a:t>
+            </a:r>
+            <a:r>
+              <a:rPr lang="en-US" dirty="0" smtClean="0"/>
+              <a:t>all may be rushed seeing everything </a:t>
             </a:r>
             <a:r>
               <a:rPr lang="en-US" dirty="0" smtClean="0">
@@ -8148,7 +8176,7 @@
           <a:p>
             <a:fld id="{7053BEFA-1175-F644-B249-7D41D72BD3FF}" type="datetime1">
               <a:rPr lang="en-US" smtClean="0"/>
-              <a:t>2/18/15</a:t>
+              <a:t>3/1/17</a:t>
             </a:fld>
             <a:endParaRPr lang="en-US"/>
           </a:p>
@@ -8283,49 +8311,6 @@
               <a:rPr lang="en-US" dirty="0" smtClean="0"/>
               <a:t>choice</a:t>
             </a:r>
-          </a:p>
-          <a:p>
-            <a:pPr marL="0" indent="0">
-              <a:buNone/>
-            </a:pPr>
-            <a:r>
-              <a:rPr lang="en-US" dirty="0" smtClean="0"/>
-              <a:t>Goal: </a:t>
-            </a:r>
-            <a:r>
-              <a:rPr lang="en-US" dirty="0"/>
-              <a:t>explore the art of visual </a:t>
-            </a:r>
-            <a:r>
-              <a:rPr lang="en-US" dirty="0" smtClean="0"/>
-              <a:t>portraiture </a:t>
-            </a:r>
-          </a:p>
-          <a:p>
-            <a:pPr marL="0" indent="0">
-              <a:buNone/>
-            </a:pPr>
-            <a:r>
-              <a:rPr lang="en-US" dirty="0" smtClean="0"/>
-              <a:t>You </a:t>
-            </a:r>
-            <a:r>
-              <a:rPr lang="en-US" dirty="0"/>
-              <a:t>may work in groups on this </a:t>
-            </a:r>
-            <a:r>
-              <a:rPr lang="en-US" dirty="0" smtClean="0"/>
-              <a:t>project</a:t>
-            </a:r>
-            <a:r>
-              <a:rPr lang="en-US" dirty="0"/>
-              <a:t> </a:t>
-            </a:r>
-          </a:p>
-          <a:p>
-            <a:pPr marL="0" indent="0">
-              <a:buNone/>
-            </a:pPr>
             <a:endParaRPr lang="en-US" dirty="0"/>
           </a:p>
           <a:p>
@@ -8350,7 +8335,7 @@
           <a:p>
             <a:fld id="{7053BEFA-1175-F644-B249-7D41D72BD3FF}" type="datetime1">
               <a:rPr lang="en-US" smtClean="0"/>
-              <a:t>2/18/15</a:t>
+              <a:t>3/1/17</a:t>
             </a:fld>
             <a:endParaRPr lang="en-US"/>
           </a:p>
@@ -8411,7 +8396,7 @@
   <p:timing>
     <p:tnLst>
       <p:par>
-        <p:cTn xmlns:p14="http://schemas.microsoft.com/office/powerpoint/2010/main" id="1" dur="indefinite" restart="never" nodeType="tmRoot"/>
+        <p:cTn id="1" dur="indefinite" restart="never" nodeType="tmRoot"/>
       </p:par>
     </p:tnLst>
   </p:timing>
@@ -8536,7 +8521,7 @@
           <a:p>
             <a:fld id="{7053BEFA-1175-F644-B249-7D41D72BD3FF}" type="datetime1">
               <a:rPr lang="en-US" smtClean="0"/>
-              <a:t>2/18/15</a:t>
+              <a:t>3/1/17</a:t>
             </a:fld>
             <a:endParaRPr lang="en-US"/>
           </a:p>
@@ -8700,7 +8685,7 @@
           <a:p>
             <a:fld id="{7053BEFA-1175-F644-B249-7D41D72BD3FF}" type="datetime1">
               <a:rPr lang="en-US" smtClean="0"/>
-              <a:t>2/18/15</a:t>
+              <a:t>3/1/17</a:t>
             </a:fld>
             <a:endParaRPr lang="en-US"/>
           </a:p>
@@ -8842,15 +8827,7 @@
             </a:r>
             <a:r>
               <a:rPr lang="en-US" dirty="0" smtClean="0"/>
-              <a:t>information (data about </a:t>
-            </a:r>
-            <a:r>
-              <a:rPr lang="en-US" dirty="0" smtClean="0"/>
-              <a:t>yourself, </a:t>
-            </a:r>
-            <a:r>
-              <a:rPr lang="en-US" dirty="0" smtClean="0"/>
-              <a:t>tweets, </a:t>
+              <a:t>information (data about yourself, tweets, </a:t>
             </a:r>
             <a:r>
               <a:rPr lang="en-US" i="1" dirty="0" smtClean="0"/>
@@ -8906,7 +8883,7 @@
           <a:p>
             <a:fld id="{7053BEFA-1175-F644-B249-7D41D72BD3FF}" type="datetime1">
               <a:rPr lang="en-US" smtClean="0"/>
-              <a:t>2/18/15</a:t>
+              <a:t>3/1/17</a:t>
             </a:fld>
             <a:endParaRPr lang="en-US"/>
           </a:p>
@@ -9073,7 +9050,7 @@
           <a:p>
             <a:fld id="{7053BEFA-1175-F644-B249-7D41D72BD3FF}" type="datetime1">
               <a:rPr lang="en-US" smtClean="0"/>
-              <a:t>2/18/15</a:t>
+              <a:t>3/1/17</a:t>
             </a:fld>
             <a:endParaRPr lang="en-US"/>
           </a:p>
@@ -9253,7 +9230,7 @@
           <a:p>
             <a:fld id="{7053BEFA-1175-F644-B249-7D41D72BD3FF}" type="datetime1">
               <a:rPr lang="en-US" smtClean="0"/>
-              <a:t>2/18/15</a:t>
+              <a:t>3/1/17</a:t>
             </a:fld>
             <a:endParaRPr lang="en-US"/>
           </a:p>
@@ -9424,7 +9401,7 @@
           <a:p>
             <a:fld id="{7053BEFA-1175-F644-B249-7D41D72BD3FF}" type="datetime1">
               <a:rPr lang="en-US" smtClean="0"/>
-              <a:t>2/18/15</a:t>
+              <a:t>3/1/17</a:t>
             </a:fld>
             <a:endParaRPr lang="en-US"/>
           </a:p>
@@ -9518,12 +9495,12 @@
           <a:lstStyle/>
           <a:p>
             <a:r>
-              <a:rPr lang="en-US" dirty="0" err="1" smtClean="0"/>
-              <a:t>Handin</a:t>
-            </a:r>
-            <a:r>
-              <a:rPr lang="en-US" dirty="0" smtClean="0"/>
-              <a:t> Requirements</a:t>
+              <a:rPr lang="en-US" dirty="0" smtClean="0"/>
+              <a:t>Hand-in </a:t>
+            </a:r>
+            <a:r>
+              <a:rPr lang="en-US" dirty="0" smtClean="0"/>
+              <a:t>Requirements</a:t>
             </a:r>
             <a:endParaRPr lang="en-US" dirty="0"/>
           </a:p>
@@ -9553,11 +9530,11 @@
             </a:r>
             <a:r>
               <a:rPr lang="en-US" dirty="0"/>
-              <a:t>page that addresses all 4 points </a:t>
-            </a:r>
-            <a:r>
-              <a:rPr lang="en-US" dirty="0" smtClean="0"/>
-              <a:t>above:</a:t>
+              <a:t>page that addresses all 4 </a:t>
+            </a:r>
+            <a:r>
+              <a:rPr lang="en-US" dirty="0" smtClean="0"/>
+              <a:t>points:</a:t>
             </a:r>
             <a:endParaRPr lang="en-US" dirty="0"/>
           </a:p>
@@ -9624,7 +9601,7 @@
           <a:p>
             <a:fld id="{7053BEFA-1175-F644-B249-7D41D72BD3FF}" type="datetime1">
               <a:rPr lang="en-US" smtClean="0"/>
-              <a:t>2/18/15</a:t>
+              <a:t>3/1/17</a:t>
             </a:fld>
             <a:endParaRPr lang="en-US"/>
           </a:p>
